--- a/class 10/1.Ethics in IT/2. Presentation/Ethics 1.pptx
+++ b/class 10/1.Ethics in IT/2. Presentation/Ethics 1.pptx
@@ -5,16 +5,17 @@
     <p:sldMasterId id="2147483648" r:id="rId1"/>
   </p:sldMasterIdLst>
   <p:notesMasterIdLst>
-    <p:notesMasterId r:id="rId10"/>
+    <p:notesMasterId r:id="rId12"/>
   </p:notesMasterIdLst>
   <p:sldIdLst>
     <p:sldId id="256" r:id="rId3"/>
     <p:sldId id="277" r:id="rId4"/>
-    <p:sldId id="299" r:id="rId5"/>
-    <p:sldId id="300" r:id="rId6"/>
-    <p:sldId id="301" r:id="rId7"/>
-    <p:sldId id="302" r:id="rId8"/>
-    <p:sldId id="303" r:id="rId9"/>
+    <p:sldId id="305" r:id="rId5"/>
+    <p:sldId id="306" r:id="rId6"/>
+    <p:sldId id="307" r:id="rId7"/>
+    <p:sldId id="309" r:id="rId8"/>
+    <p:sldId id="310" r:id="rId9"/>
+    <p:sldId id="311" r:id="rId10"/>
     <p:sldId id="283" r:id="rId11"/>
   </p:sldIdLst>
   <p:sldSz cx="12192000" cy="6858000"/>
@@ -462,50 +463,6 @@
     </a:lvl9pPr>
   </p:notesStyle>
 </p:notesMaster>
-</file>
-
-<file path=ppt/notesSlides/notesSlide1.xml><?xml version="1.0" encoding="utf-8"?>
-<p:notes xmlns:a="http://schemas.openxmlformats.org/drawingml/2006/main" xmlns:r="http://schemas.openxmlformats.org/officeDocument/2006/relationships" xmlns:p="http://schemas.openxmlformats.org/presentationml/2006/main">
-  <p:cSld>
-    <p:spTree>
-      <p:nvGrpSpPr>
-        <p:cNvPr id="1" name=""/>
-        <p:cNvGrpSpPr/>
-        <p:nvPr/>
-      </p:nvGrpSpPr>
-      <p:grpSpPr/>
-      <p:sp>
-        <p:nvSpPr>
-          <p:cNvPr id="2" name="Slide Image Placeholder 1"/>
-          <p:cNvSpPr/>
-          <p:nvPr>
-            <p:ph type="sldImg" idx="2"/>
-          </p:nvPr>
-        </p:nvSpPr>
-        <p:spPr/>
-      </p:sp>
-      <p:sp>
-        <p:nvSpPr>
-          <p:cNvPr id="3" name="Text Placeholder 2"/>
-          <p:cNvSpPr/>
-          <p:nvPr>
-            <p:ph type="body" idx="3"/>
-          </p:nvPr>
-        </p:nvSpPr>
-        <p:spPr/>
-        <p:txBody>
-          <a:bodyPr/>
-          <a:p>
-            <a:endParaRPr lang="en-US"/>
-          </a:p>
-        </p:txBody>
-      </p:sp>
-    </p:spTree>
-  </p:cSld>
-  <p:clrMapOvr>
-    <a:masterClrMapping/>
-  </p:clrMapOvr>
-</p:notes>
 </file>
 
 <file path=ppt/slideLayouts/slideLayout1.xml><?xml version="1.0" encoding="utf-8"?>
@@ -3612,24 +3569,7 @@
                 <a:latin typeface="Purisa" panose="02000603000000000000" charset="0"/>
                 <a:cs typeface="Purisa" panose="02000603000000000000" charset="0"/>
               </a:rPr>
-              <a:t>Class I</a:t>
-            </a:r>
-            <a:r>
-              <a:rPr lang="" altLang="en-US" sz="4800" b="1">
-                <a:solidFill>
-                  <a:schemeClr val="tx1"/>
-                </a:solidFill>
-                <a:effectLst>
-                  <a:outerShdw blurRad="38100" dist="19050" dir="2700000" algn="tl" rotWithShape="0">
-                    <a:schemeClr val="dk1">
-                      <a:alpha val="40000"/>
-                    </a:schemeClr>
-                  </a:outerShdw>
-                </a:effectLst>
-                <a:latin typeface="Purisa" panose="02000603000000000000" charset="0"/>
-                <a:cs typeface="Purisa" panose="02000603000000000000" charset="0"/>
-              </a:rPr>
-              <a:t>X</a:t>
+              <a:t>Class IX</a:t>
             </a:r>
             <a:endParaRPr lang="en-US" altLang="en-US" sz="4800" b="1">
               <a:solidFill>
@@ -3662,26 +3602,9 @@
                 <a:latin typeface="Purisa" panose="02000603000000000000" charset="0"/>
                 <a:cs typeface="Purisa" panose="02000603000000000000" charset="0"/>
               </a:rPr>
-              <a:t>  lab </a:t>
-            </a:r>
-            <a:r>
-              <a:rPr lang="" altLang="en-US" sz="4800" b="1">
-                <a:solidFill>
-                  <a:schemeClr val="tx1"/>
-                </a:solidFill>
-                <a:effectLst>
-                  <a:outerShdw blurRad="38100" dist="19050" dir="2700000" algn="tl" rotWithShape="0">
-                    <a:schemeClr val="dk1">
-                      <a:alpha val="40000"/>
-                    </a:schemeClr>
-                  </a:outerShdw>
-                </a:effectLst>
-                <a:latin typeface="Purisa" panose="02000603000000000000" charset="0"/>
-                <a:cs typeface="Purisa" panose="02000603000000000000" charset="0"/>
-              </a:rPr>
-              <a:t>1</a:t>
-            </a:r>
-            <a:endParaRPr lang="" altLang="en-US" sz="4800" b="1">
+              <a:t>  lab 1</a:t>
+            </a:r>
+            <a:endParaRPr lang="en-US" altLang="en-US" sz="4800" b="1">
               <a:solidFill>
                 <a:schemeClr val="tx1"/>
               </a:solidFill>
@@ -4000,16 +3923,16 @@
           </a:bodyPr>
           <a:p>
             <a:r>
-              <a:rPr lang="" altLang="en-US" sz="8000">
+              <a:rPr lang="en-US" altLang="en-US" sz="8000">
                 <a:solidFill>
                   <a:srgbClr val="C6790C"/>
                 </a:solidFill>
                 <a:latin typeface="Uroob" panose="00000800000000000000" charset="0"/>
                 <a:cs typeface="Uroob" panose="00000800000000000000" charset="0"/>
               </a:rPr>
-              <a:t>Phases of Ethical Hacking</a:t>
-            </a:r>
-            <a:endParaRPr lang="" altLang="en-US" sz="8000">
+              <a:t> Email Hijacking</a:t>
+            </a:r>
+            <a:endParaRPr lang="en-US" altLang="en-US" sz="8000">
               <a:solidFill>
                 <a:srgbClr val="C6790C"/>
               </a:solidFill>
@@ -4021,7 +3944,7 @@
       </p:sp>
       <p:pic>
         <p:nvPicPr>
-          <p:cNvPr id="3" name="Picture 1" descr="IMG_256"/>
+          <p:cNvPr id="8" name="Picture 5" descr="IMG_256"/>
           <p:cNvPicPr>
             <a:picLocks noChangeAspect="1"/>
           </p:cNvPicPr>
@@ -4050,8 +3973,8 @@
         </p:blipFill>
         <p:spPr>
           <a:xfrm>
-            <a:off x="2759075" y="1741805"/>
-            <a:ext cx="6291580" cy="4671060"/>
+            <a:off x="6612255" y="2233613"/>
+            <a:ext cx="4724400" cy="3362325"/>
           </a:xfrm>
           <a:prstGeom prst="rect">
             <a:avLst/>
@@ -4062,6 +3985,35 @@
           </a:ln>
         </p:spPr>
       </p:pic>
+      <p:sp>
+        <p:nvSpPr>
+          <p:cNvPr id="2" name="Text Box 1"/>
+          <p:cNvSpPr txBox="1"/>
+          <p:nvPr/>
+        </p:nvSpPr>
+        <p:spPr>
+          <a:xfrm>
+            <a:off x="854075" y="2638425"/>
+            <a:ext cx="5956935" cy="2553335"/>
+          </a:xfrm>
+          <a:prstGeom prst="rect">
+            <a:avLst/>
+          </a:prstGeom>
+          <a:noFill/>
+        </p:spPr>
+        <p:txBody>
+          <a:bodyPr wrap="square" rtlCol="0" anchor="t">
+            <a:spAutoFit/>
+          </a:bodyPr>
+          <a:p>
+            <a:r>
+              <a:rPr lang="en-US" sz="3200"/>
+              <a:t>Email hacking is the unauthorized access to, or manipulation of, an email account or email correspondence</a:t>
+            </a:r>
+            <a:endParaRPr lang="en-US" sz="3200"/>
+          </a:p>
+        </p:txBody>
+      </p:sp>
     </p:spTree>
   </p:cSld>
   <p:clrMapOvr>
@@ -4340,16 +4292,6 @@
           </a:bodyPr>
           <a:p>
             <a:r>
-              <a:rPr lang="" altLang="en-US" sz="8000">
-                <a:solidFill>
-                  <a:srgbClr val="C6790C"/>
-                </a:solidFill>
-                <a:latin typeface="Uroob" panose="00000800000000000000" charset="0"/>
-                <a:cs typeface="Uroob" panose="00000800000000000000" charset="0"/>
-              </a:rPr>
-              <a:t>    </a:t>
-            </a:r>
-            <a:r>
               <a:rPr lang="en-US" altLang="en-US" sz="8000">
                 <a:solidFill>
                   <a:srgbClr val="C6790C"/>
@@ -4357,7 +4299,7 @@
                 <a:latin typeface="Uroob" panose="00000800000000000000" charset="0"/>
                 <a:cs typeface="Uroob" panose="00000800000000000000" charset="0"/>
               </a:rPr>
-              <a:t>Reconnaissance</a:t>
+              <a:t>Email Spoofing</a:t>
             </a:r>
             <a:endParaRPr lang="en-US" altLang="en-US" sz="8000">
               <a:solidFill>
@@ -4371,22 +4313,38 @@
       </p:sp>
       <p:pic>
         <p:nvPicPr>
-          <p:cNvPr id="2" name="Picture 2" descr="IMG_256"/>
+          <p:cNvPr id="3" name="Picture 6" descr="IMG_256"/>
           <p:cNvPicPr>
             <a:picLocks noChangeAspect="1"/>
           </p:cNvPicPr>
           <p:nvPr/>
         </p:nvPicPr>
         <p:blipFill>
-          <a:blip r:embed="rId4"/>
+          <a:blip r:embed="rId4">
+            <a:clrChange>
+              <a:clrFrom>
+                <a:srgbClr val="FEFEFE">
+                  <a:alpha val="100000"/>
+                </a:srgbClr>
+              </a:clrFrom>
+              <a:clrTo>
+                <a:srgbClr val="FEFEFE">
+                  <a:alpha val="100000"/>
+                  <a:alpha val="0"/>
+                </a:srgbClr>
+              </a:clrTo>
+            </a:clrChange>
+            <a:lum bright="-6000"/>
+          </a:blip>
+          <a:srcRect t="19018"/>
           <a:stretch>
             <a:fillRect/>
           </a:stretch>
         </p:blipFill>
         <p:spPr>
           <a:xfrm>
-            <a:off x="108585" y="1780540"/>
-            <a:ext cx="4331970" cy="4347845"/>
+            <a:off x="108585" y="1984375"/>
+            <a:ext cx="6531610" cy="3964305"/>
           </a:xfrm>
           <a:prstGeom prst="rect">
             <a:avLst/>
@@ -4405,8 +4363,8 @@
         </p:nvSpPr>
         <p:spPr>
           <a:xfrm>
-            <a:off x="5706745" y="2933065"/>
-            <a:ext cx="5080000" cy="2306955"/>
+            <a:off x="6640195" y="2630805"/>
+            <a:ext cx="5080000" cy="2245360"/>
           </a:xfrm>
           <a:prstGeom prst="rect">
             <a:avLst/>
@@ -4423,13 +4381,13 @@
           <a:p>
             <a:pPr marL="0" indent="0"/>
             <a:r>
-              <a:rPr lang="en-US" sz="3600" b="0">
+              <a:rPr lang="en-US" sz="2800" b="0">
                 <a:latin typeface="Calibri" charset="0"/>
                 <a:cs typeface="SimSun" charset="0"/>
               </a:rPr>
-              <a:t>attacker gathers information about a target using active or passive means</a:t>
-            </a:r>
-            <a:endParaRPr lang="en-US" sz="3600" b="0">
+              <a:t> the spammer sends emails from a known domain, so the receiver thinks that he knows this person and opens the mail</a:t>
+            </a:r>
+            <a:endParaRPr lang="en-US" sz="2800" b="0">
               <a:latin typeface="Calibri" charset="0"/>
               <a:cs typeface="SimSun" charset="0"/>
             </a:endParaRPr>
@@ -4714,16 +4672,6 @@
           </a:bodyPr>
           <a:p>
             <a:r>
-              <a:rPr lang="" altLang="en-US" sz="8000">
-                <a:solidFill>
-                  <a:srgbClr val="C6790C"/>
-                </a:solidFill>
-                <a:latin typeface="Uroob" panose="00000800000000000000" charset="0"/>
-                <a:cs typeface="Uroob" panose="00000800000000000000" charset="0"/>
-              </a:rPr>
-              <a:t>         </a:t>
-            </a:r>
-            <a:r>
               <a:rPr lang="en-US" altLang="en-US" sz="8000">
                 <a:solidFill>
                   <a:srgbClr val="C6790C"/>
@@ -4731,7 +4679,7 @@
                 <a:latin typeface="Uroob" panose="00000800000000000000" charset="0"/>
                 <a:cs typeface="Uroob" panose="00000800000000000000" charset="0"/>
               </a:rPr>
-              <a:t>Scanning</a:t>
+              <a:t>Social Engineering</a:t>
             </a:r>
             <a:endParaRPr lang="en-US" altLang="en-US" sz="8000">
               <a:solidFill>
@@ -4745,7 +4693,7 @@
       </p:sp>
       <p:pic>
         <p:nvPicPr>
-          <p:cNvPr id="7" name="Picture 2" descr="IMG_256"/>
+          <p:cNvPr id="2" name="Picture 7" descr="IMG_256"/>
           <p:cNvPicPr>
             <a:picLocks noChangeAspect="1"/>
           </p:cNvPicPr>
@@ -4766,7 +4714,7 @@
                 </a:srgbClr>
               </a:clrTo>
             </a:clrChange>
-            <a:lum bright="-12000"/>
+            <a:lum bright="-6000"/>
           </a:blip>
           <a:stretch>
             <a:fillRect/>
@@ -4774,8 +4722,8 @@
         </p:blipFill>
         <p:spPr>
           <a:xfrm>
-            <a:off x="7912735" y="2119630"/>
-            <a:ext cx="4561205" cy="3942080"/>
+            <a:off x="6544945" y="1984375"/>
+            <a:ext cx="6028055" cy="3985260"/>
           </a:xfrm>
           <a:prstGeom prst="rect">
             <a:avLst/>
@@ -4788,14 +4736,14 @@
       </p:pic>
       <p:sp>
         <p:nvSpPr>
-          <p:cNvPr id="3" name="Text Box 2"/>
+          <p:cNvPr id="4" name="Text Box 3"/>
           <p:cNvSpPr txBox="1"/>
           <p:nvPr/>
         </p:nvSpPr>
         <p:spPr>
           <a:xfrm>
-            <a:off x="1637665" y="2835275"/>
-            <a:ext cx="5080000" cy="2245360"/>
+            <a:off x="1758950" y="2453640"/>
+            <a:ext cx="5080000" cy="3046095"/>
           </a:xfrm>
           <a:prstGeom prst="rect">
             <a:avLst/>
@@ -4812,13 +4760,13 @@
           <a:p>
             <a:pPr marL="0" indent="0"/>
             <a:r>
-              <a:rPr lang="en-US" sz="2800" b="0">
+              <a:rPr lang="en-US" sz="3200" b="0">
                 <a:latin typeface="Calibri" charset="0"/>
                 <a:cs typeface="SimSun" charset="0"/>
               </a:rPr>
-              <a:t>In this process, the attacker begins to actively probe a target machine or network for vulnerabilities that can be exploited</a:t>
-            </a:r>
-            <a:endParaRPr lang="en-US" sz="2800" b="0">
+              <a:t>Spammers send promotional mails to different users, offering huge discount and tricking them to fill their personal data</a:t>
+            </a:r>
+            <a:endParaRPr lang="en-US" sz="3200" b="0">
               <a:latin typeface="Calibri" charset="0"/>
               <a:cs typeface="SimSun" charset="0"/>
             </a:endParaRPr>
@@ -5110,7 +5058,7 @@
                 <a:latin typeface="Uroob" panose="00000800000000000000" charset="0"/>
                 <a:cs typeface="Uroob" panose="00000800000000000000" charset="0"/>
               </a:rPr>
-              <a:t>         Gaining Access</a:t>
+              <a:t>Phishing attacks</a:t>
             </a:r>
             <a:endParaRPr lang="en-US" altLang="en-US" sz="8000">
               <a:solidFill>
@@ -5122,48 +5070,9 @@
           </a:p>
         </p:txBody>
       </p:sp>
-      <p:sp>
-        <p:nvSpPr>
-          <p:cNvPr id="100" name="Text Box 99"/>
-          <p:cNvSpPr txBox="1"/>
-          <p:nvPr/>
-        </p:nvSpPr>
-        <p:spPr>
-          <a:xfrm>
-            <a:off x="6209665" y="2898140"/>
-            <a:ext cx="5080000" cy="2553335"/>
-          </a:xfrm>
-          <a:prstGeom prst="rect">
-            <a:avLst/>
-          </a:prstGeom>
-          <a:noFill/>
-          <a:ln w="9525">
-            <a:noFill/>
-          </a:ln>
-        </p:spPr>
-        <p:txBody>
-          <a:bodyPr>
-            <a:spAutoFit/>
-          </a:bodyPr>
-          <a:p>
-            <a:pPr marL="0" indent="0"/>
-            <a:r>
-              <a:rPr lang="en-US" sz="3200" b="0">
-                <a:latin typeface="Calibri" charset="0"/>
-                <a:cs typeface="SimSun" charset="0"/>
-              </a:rPr>
-              <a:t>In this process, the vulnerability is located and you attempt to exploit it in order to enter into the system</a:t>
-            </a:r>
-            <a:endParaRPr lang="en-US" sz="3200" b="0">
-              <a:latin typeface="Calibri" charset="0"/>
-              <a:cs typeface="SimSun" charset="0"/>
-            </a:endParaRPr>
-          </a:p>
-        </p:txBody>
-      </p:sp>
       <p:pic>
         <p:nvPicPr>
-          <p:cNvPr id="8" name="Picture 3" descr="IMG_256"/>
+          <p:cNvPr id="12" name="Picture 9" descr="IMG_256"/>
           <p:cNvPicPr>
             <a:picLocks noChangeAspect="1"/>
           </p:cNvPicPr>
@@ -5173,12 +5082,12 @@
           <a:blip r:embed="rId4">
             <a:clrChange>
               <a:clrFrom>
-                <a:srgbClr val="FCFCFC">
+                <a:srgbClr val="FEFEFE">
                   <a:alpha val="100000"/>
                 </a:srgbClr>
               </a:clrFrom>
               <a:clrTo>
-                <a:srgbClr val="FCFCFC">
+                <a:srgbClr val="FEFEFE">
                   <a:alpha val="100000"/>
                   <a:alpha val="0"/>
                 </a:srgbClr>
@@ -5192,8 +5101,8 @@
         </p:blipFill>
         <p:spPr>
           <a:xfrm>
-            <a:off x="-10160" y="2531745"/>
-            <a:ext cx="6024880" cy="2787015"/>
+            <a:off x="108585" y="1984375"/>
+            <a:ext cx="6973570" cy="3919855"/>
           </a:xfrm>
           <a:prstGeom prst="rect">
             <a:avLst/>
@@ -5204,6 +5113,35 @@
           </a:ln>
         </p:spPr>
       </p:pic>
+      <p:sp>
+        <p:nvSpPr>
+          <p:cNvPr id="3" name="Text Box 2"/>
+          <p:cNvSpPr txBox="1"/>
+          <p:nvPr/>
+        </p:nvSpPr>
+        <p:spPr>
+          <a:xfrm>
+            <a:off x="7285990" y="2590165"/>
+            <a:ext cx="4428490" cy="3538220"/>
+          </a:xfrm>
+          <a:prstGeom prst="rect">
+            <a:avLst/>
+          </a:prstGeom>
+          <a:noFill/>
+        </p:spPr>
+        <p:txBody>
+          <a:bodyPr wrap="square" rtlCol="0" anchor="t">
+            <a:spAutoFit/>
+          </a:bodyPr>
+          <a:p>
+            <a:r>
+              <a:rPr lang="en-US" sz="3200"/>
+              <a:t>a type of social engineering attack often used to steal user data, including login credentials and credit card numbers</a:t>
+            </a:r>
+            <a:endParaRPr lang="en-US" sz="3200"/>
+          </a:p>
+        </p:txBody>
+      </p:sp>
     </p:spTree>
   </p:cSld>
   <p:clrMapOvr>
@@ -5482,16 +5420,6 @@
           </a:bodyPr>
           <a:p>
             <a:r>
-              <a:rPr lang="" altLang="en-US" sz="8000">
-                <a:solidFill>
-                  <a:srgbClr val="C6790C"/>
-                </a:solidFill>
-                <a:latin typeface="Uroob" panose="00000800000000000000" charset="0"/>
-                <a:cs typeface="Uroob" panose="00000800000000000000" charset="0"/>
-              </a:rPr>
-              <a:t>       </a:t>
-            </a:r>
-            <a:r>
               <a:rPr lang="en-US" altLang="en-US" sz="8000">
                 <a:solidFill>
                   <a:srgbClr val="C6790C"/>
@@ -5499,7 +5427,7 @@
                 <a:latin typeface="Uroob" panose="00000800000000000000" charset="0"/>
                 <a:cs typeface="Uroob" panose="00000800000000000000" charset="0"/>
               </a:rPr>
-              <a:t>Maintaining Access</a:t>
+              <a:t>Inserting Viruses</a:t>
             </a:r>
             <a:endParaRPr lang="en-US" altLang="en-US" sz="8000">
               <a:solidFill>
@@ -5511,62 +5439,9 @@
           </a:p>
         </p:txBody>
       </p:sp>
-      <p:sp>
-        <p:nvSpPr>
-          <p:cNvPr id="2" name="Text Box 1"/>
-          <p:cNvSpPr txBox="1"/>
-          <p:nvPr/>
-        </p:nvSpPr>
-        <p:spPr>
-          <a:xfrm>
-            <a:off x="436245" y="2510155"/>
-            <a:ext cx="5080000" cy="2553335"/>
-          </a:xfrm>
-          <a:prstGeom prst="rect">
-            <a:avLst/>
-          </a:prstGeom>
-          <a:noFill/>
-          <a:ln w="9525">
-            <a:noFill/>
-          </a:ln>
-        </p:spPr>
-        <p:txBody>
-          <a:bodyPr>
-            <a:spAutoFit/>
-          </a:bodyPr>
-          <a:p>
-            <a:pPr marL="0" indent="0"/>
-            <a:r>
-              <a:rPr lang="en-US" sz="3200" b="0">
-                <a:latin typeface="Calibri" charset="0"/>
-                <a:cs typeface="SimSun" charset="0"/>
-              </a:rPr>
-              <a:t>After gaining access, the hacker installs some backdoors in order to enter into</a:t>
-            </a:r>
-            <a:endParaRPr lang="en-US" sz="3200" b="0">
-              <a:latin typeface="Calibri" charset="0"/>
-              <a:cs typeface="SimSun" charset="0"/>
-            </a:endParaRPr>
-          </a:p>
-          <a:p>
-            <a:pPr marL="0" indent="0"/>
-            <a:r>
-              <a:rPr lang="en-US" sz="3200" b="0">
-                <a:latin typeface="Calibri" charset="0"/>
-                <a:cs typeface="SimSun" charset="0"/>
-              </a:rPr>
-              <a:t> the system</a:t>
-            </a:r>
-            <a:endParaRPr lang="en-US" sz="3200" b="0">
-              <a:latin typeface="Calibri" charset="0"/>
-              <a:cs typeface="SimSun" charset="0"/>
-            </a:endParaRPr>
-          </a:p>
-        </p:txBody>
-      </p:sp>
       <p:pic>
         <p:nvPicPr>
-          <p:cNvPr id="3" name="Picture 4" descr="IMG_256"/>
+          <p:cNvPr id="14" name="Picture 11" descr="IMG_256"/>
           <p:cNvPicPr>
             <a:picLocks noChangeAspect="1"/>
           </p:cNvPicPr>
@@ -5580,8 +5455,8 @@
         </p:blipFill>
         <p:spPr>
           <a:xfrm>
-            <a:off x="5200650" y="2403475"/>
-            <a:ext cx="6701790" cy="3368040"/>
+            <a:off x="6759575" y="1818640"/>
+            <a:ext cx="5374640" cy="3869690"/>
           </a:xfrm>
           <a:prstGeom prst="rect">
             <a:avLst/>
@@ -5592,6 +5467,45 @@
           </a:ln>
         </p:spPr>
       </p:pic>
+      <p:sp>
+        <p:nvSpPr>
+          <p:cNvPr id="100" name="Text Box 99"/>
+          <p:cNvSpPr txBox="1"/>
+          <p:nvPr/>
+        </p:nvSpPr>
+        <p:spPr>
+          <a:xfrm>
+            <a:off x="757555" y="2928620"/>
+            <a:ext cx="5080000" cy="1383665"/>
+          </a:xfrm>
+          <a:prstGeom prst="rect">
+            <a:avLst/>
+          </a:prstGeom>
+          <a:noFill/>
+          <a:ln w="9525">
+            <a:noFill/>
+          </a:ln>
+        </p:spPr>
+        <p:txBody>
+          <a:bodyPr>
+            <a:spAutoFit/>
+          </a:bodyPr>
+          <a:p>
+            <a:pPr marL="0" indent="0"/>
+            <a:r>
+              <a:rPr lang="en-US" sz="2800" b="0">
+                <a:latin typeface="Calibri" charset="0"/>
+                <a:cs typeface="SimSun" charset="0"/>
+              </a:rPr>
+              <a:t>With the help of a virus, a hacker can take all your passwords</a:t>
+            </a:r>
+            <a:endParaRPr lang="en-US" sz="2800" b="0">
+              <a:latin typeface="Calibri" charset="0"/>
+              <a:cs typeface="SimSun" charset="0"/>
+            </a:endParaRPr>
+          </a:p>
+        </p:txBody>
+      </p:sp>
     </p:spTree>
   </p:cSld>
   <p:clrMapOvr>
@@ -5857,7 +5771,7 @@
         <p:spPr>
           <a:xfrm>
             <a:off x="2205990" y="283845"/>
-            <a:ext cx="9508490" cy="1322070"/>
+            <a:ext cx="9508490" cy="1014730"/>
           </a:xfrm>
           <a:prstGeom prst="rect">
             <a:avLst/>
@@ -5870,26 +5784,470 @@
           </a:bodyPr>
           <a:p>
             <a:r>
-              <a:rPr lang="" altLang="en-US" sz="8000">
+              <a:rPr lang="" altLang="en-US" sz="6000">
                 <a:solidFill>
                   <a:srgbClr val="C6790C"/>
                 </a:solidFill>
                 <a:latin typeface="Uroob" panose="00000800000000000000" charset="0"/>
                 <a:cs typeface="Uroob" panose="00000800000000000000" charset="0"/>
               </a:rPr>
-              <a:t>      </a:t>
-            </a:r>
-            <a:r>
-              <a:rPr lang="en-US" altLang="en-US" sz="8000">
+              <a:t>Protect Your Email After Hacked</a:t>
+            </a:r>
+            <a:endParaRPr lang="" altLang="en-US" sz="6000">
+              <a:solidFill>
+                <a:srgbClr val="C6790C"/>
+              </a:solidFill>
+              <a:latin typeface="Uroob" panose="00000800000000000000" charset="0"/>
+              <a:cs typeface="Uroob" panose="00000800000000000000" charset="0"/>
+            </a:endParaRPr>
+          </a:p>
+        </p:txBody>
+      </p:sp>
+      <p:sp>
+        <p:nvSpPr>
+          <p:cNvPr id="2" name="Text Box 1"/>
+          <p:cNvSpPr txBox="1"/>
+          <p:nvPr/>
+        </p:nvSpPr>
+        <p:spPr>
+          <a:xfrm>
+            <a:off x="1086485" y="2169160"/>
+            <a:ext cx="4484370" cy="583565"/>
+          </a:xfrm>
+          <a:prstGeom prst="rect">
+            <a:avLst/>
+          </a:prstGeom>
+          <a:noFill/>
+        </p:spPr>
+        <p:txBody>
+          <a:bodyPr wrap="none" rtlCol="0">
+            <a:spAutoFit/>
+          </a:bodyPr>
+          <a:p>
+            <a:r>
+              <a:rPr lang="" altLang="en-US" sz="3200"/>
+              <a:t>change old password</a:t>
+            </a:r>
+            <a:endParaRPr lang="" altLang="en-US" sz="3200"/>
+          </a:p>
+        </p:txBody>
+      </p:sp>
+      <p:pic>
+        <p:nvPicPr>
+          <p:cNvPr id="16" name="Picture 13" descr="IMG_256"/>
+          <p:cNvPicPr>
+            <a:picLocks noChangeAspect="1"/>
+          </p:cNvPicPr>
+          <p:nvPr/>
+        </p:nvPicPr>
+        <p:blipFill>
+          <a:blip r:embed="rId4">
+            <a:clrChange>
+              <a:clrFrom>
+                <a:srgbClr val="FFFFFF">
+                  <a:alpha val="100000"/>
+                </a:srgbClr>
+              </a:clrFrom>
+              <a:clrTo>
+                <a:srgbClr val="FFFFFF">
+                  <a:alpha val="100000"/>
+                  <a:alpha val="0"/>
+                </a:srgbClr>
+              </a:clrTo>
+            </a:clrChange>
+          </a:blip>
+          <a:stretch>
+            <a:fillRect/>
+          </a:stretch>
+        </p:blipFill>
+        <p:spPr>
+          <a:xfrm>
+            <a:off x="5599113" y="1784985"/>
+            <a:ext cx="3381375" cy="1352550"/>
+          </a:xfrm>
+          <a:prstGeom prst="rect">
+            <a:avLst/>
+          </a:prstGeom>
+          <a:noFill/>
+          <a:ln w="9525">
+            <a:noFill/>
+          </a:ln>
+        </p:spPr>
+      </p:pic>
+      <p:sp>
+        <p:nvSpPr>
+          <p:cNvPr id="100" name="Text Box 99"/>
+          <p:cNvSpPr txBox="1"/>
+          <p:nvPr/>
+        </p:nvSpPr>
+        <p:spPr>
+          <a:xfrm>
+            <a:off x="4149090" y="3261995"/>
+            <a:ext cx="5080000" cy="2553335"/>
+          </a:xfrm>
+          <a:prstGeom prst="rect">
+            <a:avLst/>
+          </a:prstGeom>
+          <a:noFill/>
+          <a:ln w="9525">
+            <a:noFill/>
+          </a:ln>
+        </p:spPr>
+        <p:txBody>
+          <a:bodyPr>
+            <a:spAutoFit/>
+          </a:bodyPr>
+          <a:p>
+            <a:pPr marL="269875" indent="-269875" algn="l"/>
+            <a:r>
+              <a:rPr lang="" altLang="en-US" sz="2000">
+                <a:solidFill>
+                  <a:srgbClr val="1E1C11"/>
+                </a:solidFill>
+                <a:latin typeface="Calibri" charset="0"/>
+                <a:cs typeface="SimSun" charset="0"/>
+              </a:rPr>
+              <a:t>    </a:t>
+            </a:r>
+            <a:r>
+              <a:rPr lang="en-US" sz="2000">
+                <a:solidFill>
+                  <a:srgbClr val="1E1C11"/>
+                </a:solidFill>
+                <a:latin typeface="Calibri" charset="0"/>
+                <a:cs typeface="SimSun" charset="0"/>
+              </a:rPr>
+              <a:t>1. Notify your friends not to open links that they receive from your email account.</a:t>
+            </a:r>
+            <a:endParaRPr lang="en-US" sz="2000">
+              <a:solidFill>
+                <a:srgbClr val="1E1C11"/>
+              </a:solidFill>
+              <a:latin typeface="Calibri" charset="0"/>
+              <a:cs typeface="SimSun" charset="0"/>
+            </a:endParaRPr>
+          </a:p>
+          <a:p>
+            <a:pPr marL="269875" indent="-269875" algn="l"/>
+            <a:endParaRPr lang="en-US" sz="2000">
+              <a:solidFill>
+                <a:srgbClr val="1E1C11"/>
+              </a:solidFill>
+              <a:latin typeface="Calibri" charset="0"/>
+              <a:cs typeface="SimSun" charset="0"/>
+            </a:endParaRPr>
+          </a:p>
+          <a:p>
+            <a:pPr marL="269875" indent="-269875" algn="l"/>
+            <a:r>
+              <a:rPr lang="en-US" sz="2000">
+                <a:solidFill>
+                  <a:srgbClr val="1E1C11"/>
+                </a:solidFill>
+                <a:latin typeface="Calibri" charset="0"/>
+                <a:cs typeface="SimSun" charset="0"/>
+              </a:rPr>
+              <a:t>+2. Contact the authorities and report that your account has been hacked.</a:t>
+            </a:r>
+            <a:endParaRPr lang="en-US" sz="2000">
+              <a:solidFill>
+                <a:srgbClr val="1E1C11"/>
+              </a:solidFill>
+              <a:latin typeface="Calibri" charset="0"/>
+              <a:cs typeface="SimSun" charset="0"/>
+            </a:endParaRPr>
+          </a:p>
+        </p:txBody>
+      </p:sp>
+    </p:spTree>
+  </p:cSld>
+  <p:clrMapOvr>
+    <a:masterClrMapping/>
+  </p:clrMapOvr>
+</p:sld>
+</file>
+
+<file path=ppt/slides/slide8.xml><?xml version="1.0" encoding="utf-8"?>
+<p:sld xmlns:a="http://schemas.openxmlformats.org/drawingml/2006/main" xmlns:r="http://schemas.openxmlformats.org/officeDocument/2006/relationships" xmlns:p="http://schemas.openxmlformats.org/presentationml/2006/main">
+  <p:cSld>
+    <p:bg>
+      <p:bgPr>
+        <a:gradFill>
+          <a:gsLst>
+            <a:gs pos="94000">
+              <a:srgbClr val="54782E">
+                <a:alpha val="100000"/>
+              </a:srgbClr>
+            </a:gs>
+            <a:gs pos="99000">
+              <a:srgbClr val="557A2F">
+                <a:alpha val="100000"/>
+              </a:srgbClr>
+            </a:gs>
+            <a:gs pos="99000">
+              <a:srgbClr val="577D30">
+                <a:alpha val="100000"/>
+              </a:srgbClr>
+            </a:gs>
+            <a:gs pos="98000">
+              <a:srgbClr val="5C8433">
+                <a:alpha val="100000"/>
+              </a:srgbClr>
+            </a:gs>
+            <a:gs pos="96000">
+              <a:srgbClr val="659138">
+                <a:alpha val="100000"/>
+              </a:srgbClr>
+            </a:gs>
+            <a:gs pos="92000">
+              <a:srgbClr val="78AC42">
+                <a:alpha val="100000"/>
+              </a:srgbClr>
+            </a:gs>
+            <a:gs pos="42000">
+              <a:schemeClr val="bg1"/>
+            </a:gs>
+            <a:gs pos="100000">
+              <a:srgbClr val="52762D"/>
+            </a:gs>
+          </a:gsLst>
+          <a:lin ang="2700000" scaled="0"/>
+        </a:gradFill>
+        <a:effectLst/>
+      </p:bgPr>
+    </p:bg>
+    <p:spTree>
+      <p:nvGrpSpPr>
+        <p:cNvPr id="1" name=""/>
+        <p:cNvGrpSpPr/>
+        <p:nvPr/>
+      </p:nvGrpSpPr>
+      <p:grpSpPr/>
+      <p:pic>
+        <p:nvPicPr>
+          <p:cNvPr id="5" name="Picture 4" descr="United TrusT Logo"/>
+          <p:cNvPicPr>
+            <a:picLocks noChangeAspect="1"/>
+          </p:cNvPicPr>
+          <p:nvPr/>
+        </p:nvPicPr>
+        <p:blipFill>
+          <a:blip r:embed="rId1"/>
+          <a:stretch>
+            <a:fillRect/>
+          </a:stretch>
+        </p:blipFill>
+        <p:spPr>
+          <a:xfrm>
+            <a:off x="108585" y="6128385"/>
+            <a:ext cx="1650365" cy="634365"/>
+          </a:xfrm>
+          <a:prstGeom prst="rect">
+            <a:avLst/>
+          </a:prstGeom>
+        </p:spPr>
+      </p:pic>
+      <p:pic>
+        <p:nvPicPr>
+          <p:cNvPr id="6" name="Picture 5" descr="bdedu_logo"/>
+          <p:cNvPicPr>
+            <a:picLocks noChangeAspect="1"/>
+          </p:cNvPicPr>
+          <p:nvPr/>
+        </p:nvPicPr>
+        <p:blipFill>
+          <a:blip r:embed="rId2"/>
+          <a:stretch>
+            <a:fillRect/>
+          </a:stretch>
+        </p:blipFill>
+        <p:spPr>
+          <a:xfrm>
+            <a:off x="9440545" y="6061710"/>
+            <a:ext cx="2693670" cy="701040"/>
+          </a:xfrm>
+          <a:prstGeom prst="rect">
+            <a:avLst/>
+          </a:prstGeom>
+        </p:spPr>
+      </p:pic>
+      <p:pic>
+        <p:nvPicPr>
+          <p:cNvPr id="9" name="Picture 8"/>
+          <p:cNvPicPr>
+            <a:picLocks noChangeAspect="1"/>
+          </p:cNvPicPr>
+          <p:nvPr/>
+        </p:nvPicPr>
+        <p:blipFill>
+          <a:blip r:embed="rId3">
+            <a:lum bright="24000"/>
+          </a:blip>
+          <a:stretch>
+            <a:fillRect/>
+          </a:stretch>
+        </p:blipFill>
+        <p:spPr>
+          <a:xfrm>
+            <a:off x="108585" y="-498475"/>
+            <a:ext cx="2097405" cy="2482850"/>
+          </a:xfrm>
+          <a:prstGeom prst="rect">
+            <a:avLst/>
+          </a:prstGeom>
+          <a:noFill/>
+          <a:ln>
+            <a:noFill/>
+          </a:ln>
+        </p:spPr>
+      </p:pic>
+      <p:sp>
+        <p:nvSpPr>
+          <p:cNvPr id="10" name="Freeform 9"/>
+          <p:cNvSpPr/>
+          <p:nvPr/>
+        </p:nvSpPr>
+        <p:spPr>
+          <a:xfrm>
+            <a:off x="2205990" y="283845"/>
+            <a:ext cx="9353550" cy="1162050"/>
+          </a:xfrm>
+          <a:custGeom>
+            <a:avLst/>
+            <a:gdLst>
+              <a:gd name="connsiteX0" fmla="*/ 0 w 14730"/>
+              <a:gd name="connsiteY0" fmla="*/ 0 h 1830"/>
+              <a:gd name="connsiteX1" fmla="*/ 13869 w 14730"/>
+              <a:gd name="connsiteY1" fmla="*/ 60 h 1830"/>
+              <a:gd name="connsiteX2" fmla="*/ 14730 w 14730"/>
+              <a:gd name="connsiteY2" fmla="*/ 1830 h 1830"/>
+              <a:gd name="connsiteX3" fmla="*/ 0 w 14730"/>
+              <a:gd name="connsiteY3" fmla="*/ 1830 h 1830"/>
+              <a:gd name="connsiteX4" fmla="*/ 0 w 14730"/>
+              <a:gd name="connsiteY4" fmla="*/ 0 h 1830"/>
+            </a:gdLst>
+            <a:ahLst/>
+            <a:cxnLst>
+              <a:cxn ang="0">
+                <a:pos x="connsiteX0" y="connsiteY0"/>
+              </a:cxn>
+              <a:cxn ang="0">
+                <a:pos x="connsiteX1" y="connsiteY1"/>
+              </a:cxn>
+              <a:cxn ang="0">
+                <a:pos x="connsiteX2" y="connsiteY2"/>
+              </a:cxn>
+              <a:cxn ang="0">
+                <a:pos x="connsiteX3" y="connsiteY3"/>
+              </a:cxn>
+              <a:cxn ang="0">
+                <a:pos x="connsiteX4" y="connsiteY4"/>
+              </a:cxn>
+            </a:cxnLst>
+            <a:rect l="l" t="t" r="r" b="b"/>
+            <a:pathLst>
+              <a:path w="14730" h="1830">
+                <a:moveTo>
+                  <a:pt x="0" y="0"/>
+                </a:moveTo>
+                <a:lnTo>
+                  <a:pt x="13869" y="60"/>
+                </a:lnTo>
+                <a:lnTo>
+                  <a:pt x="14730" y="1830"/>
+                </a:lnTo>
+                <a:lnTo>
+                  <a:pt x="0" y="1830"/>
+                </a:lnTo>
+                <a:lnTo>
+                  <a:pt x="0" y="0"/>
+                </a:lnTo>
+                <a:close/>
+              </a:path>
+            </a:pathLst>
+          </a:custGeom>
+          <a:gradFill>
+            <a:gsLst>
+              <a:gs pos="80000">
+                <a:srgbClr val="92D050"/>
+              </a:gs>
+              <a:gs pos="100000">
+                <a:schemeClr val="accent1">
+                  <a:lumMod val="30000"/>
+                  <a:lumOff val="70000"/>
+                </a:schemeClr>
+              </a:gs>
+            </a:gsLst>
+            <a:path path="rect">
+              <a:fillToRect l="50000" t="50000" r="50000" b="50000"/>
+            </a:path>
+            <a:tileRect/>
+          </a:gradFill>
+          <a:ln>
+            <a:solidFill>
+              <a:schemeClr val="bg1">
+                <a:alpha val="88000"/>
+              </a:schemeClr>
+            </a:solidFill>
+          </a:ln>
+        </p:spPr>
+        <p:style>
+          <a:lnRef idx="2">
+            <a:schemeClr val="accent1">
+              <a:shade val="50000"/>
+            </a:schemeClr>
+          </a:lnRef>
+          <a:fillRef idx="1">
+            <a:schemeClr val="accent1"/>
+          </a:fillRef>
+          <a:effectRef idx="0">
+            <a:schemeClr val="accent1"/>
+          </a:effectRef>
+          <a:fontRef idx="minor">
+            <a:schemeClr val="lt1"/>
+          </a:fontRef>
+        </p:style>
+        <p:txBody>
+          <a:bodyPr rtlCol="0" anchor="ctr"/>
+          <a:p>
+            <a:pPr algn="ctr"/>
+            <a:endParaRPr lang="en-US"/>
+          </a:p>
+        </p:txBody>
+      </p:sp>
+      <p:sp>
+        <p:nvSpPr>
+          <p:cNvPr id="11" name="Text Box 10"/>
+          <p:cNvSpPr txBox="1"/>
+          <p:nvPr/>
+        </p:nvSpPr>
+        <p:spPr>
+          <a:xfrm>
+            <a:off x="2205990" y="283845"/>
+            <a:ext cx="9508490" cy="1014730"/>
+          </a:xfrm>
+          <a:prstGeom prst="rect">
+            <a:avLst/>
+          </a:prstGeom>
+          <a:noFill/>
+        </p:spPr>
+        <p:txBody>
+          <a:bodyPr wrap="square" rtlCol="0">
+            <a:spAutoFit/>
+          </a:bodyPr>
+          <a:p>
+            <a:r>
+              <a:rPr lang="en-US" altLang="en-US" sz="6000">
                 <a:solidFill>
                   <a:srgbClr val="C6790C"/>
                 </a:solidFill>
                 <a:latin typeface="Uroob" panose="00000800000000000000" charset="0"/>
                 <a:cs typeface="Uroob" panose="00000800000000000000" charset="0"/>
               </a:rPr>
-              <a:t>Clearing Tracks</a:t>
-            </a:r>
-            <a:endParaRPr lang="en-US" altLang="en-US" sz="8000">
+              <a:t>Protect Your Email After Hacked</a:t>
+            </a:r>
+            <a:endParaRPr lang="en-US" altLang="en-US" sz="6000">
               <a:solidFill>
                 <a:srgbClr val="C6790C"/>
               </a:solidFill>
@@ -5899,9 +6257,119 @@
           </a:p>
         </p:txBody>
       </p:sp>
+      <p:sp>
+        <p:nvSpPr>
+          <p:cNvPr id="102" name="Text Box 101"/>
+          <p:cNvSpPr txBox="1"/>
+          <p:nvPr/>
+        </p:nvSpPr>
+        <p:spPr>
+          <a:xfrm>
+            <a:off x="632460" y="2210117"/>
+            <a:ext cx="5080000" cy="1383665"/>
+          </a:xfrm>
+          <a:prstGeom prst="rect">
+            <a:avLst/>
+          </a:prstGeom>
+          <a:noFill/>
+          <a:ln w="9525">
+            <a:noFill/>
+          </a:ln>
+        </p:spPr>
+        <p:txBody>
+          <a:bodyPr>
+            <a:spAutoFit/>
+          </a:bodyPr>
+          <a:p>
+            <a:pPr marL="269875" indent="-269875"/>
+            <a:r>
+              <a:rPr lang="" altLang="en-US" sz="2800">
+                <a:solidFill>
+                  <a:srgbClr val="1E1C11"/>
+                </a:solidFill>
+                <a:latin typeface="Calibri" charset="0"/>
+                <a:cs typeface="SimSun" charset="0"/>
+              </a:rPr>
+              <a:t>   </a:t>
+            </a:r>
+            <a:r>
+              <a:rPr lang="en-US" sz="2800">
+                <a:solidFill>
+                  <a:srgbClr val="1E1C11"/>
+                </a:solidFill>
+                <a:latin typeface="Calibri" charset="0"/>
+                <a:cs typeface="SimSun" charset="0"/>
+              </a:rPr>
+              <a:t>Install a good antivirus on your computer and update it.</a:t>
+            </a:r>
+            <a:endParaRPr lang="en-US" sz="2800">
+              <a:solidFill>
+                <a:srgbClr val="1E1C11"/>
+              </a:solidFill>
+              <a:latin typeface="Calibri" charset="0"/>
+              <a:cs typeface="SimSun" charset="0"/>
+            </a:endParaRPr>
+          </a:p>
+        </p:txBody>
+      </p:sp>
+      <p:sp>
+        <p:nvSpPr>
+          <p:cNvPr id="12" name="Text Box 11"/>
+          <p:cNvSpPr txBox="1"/>
+          <p:nvPr/>
+        </p:nvSpPr>
+        <p:spPr>
+          <a:xfrm>
+            <a:off x="1433830" y="4678362"/>
+            <a:ext cx="5080000" cy="1383665"/>
+          </a:xfrm>
+          <a:prstGeom prst="rect">
+            <a:avLst/>
+          </a:prstGeom>
+          <a:noFill/>
+          <a:ln w="9525">
+            <a:noFill/>
+          </a:ln>
+        </p:spPr>
+        <p:txBody>
+          <a:bodyPr>
+            <a:spAutoFit/>
+          </a:bodyPr>
+          <a:p>
+            <a:pPr marL="269875" indent="-269875" algn="l"/>
+            <a:r>
+              <a:rPr lang="" altLang="en-US" sz="2800">
+                <a:solidFill>
+                  <a:srgbClr val="1E1C11"/>
+                </a:solidFill>
+                <a:latin typeface="Calibri" charset="0"/>
+                <a:cs typeface="SimSun" charset="0"/>
+              </a:rPr>
+              <a:t>    </a:t>
+            </a:r>
+            <a:r>
+              <a:rPr lang="en-US" sz="2800">
+                <a:solidFill>
+                  <a:srgbClr val="1E1C11"/>
+                </a:solidFill>
+                <a:latin typeface="Calibri" charset="0"/>
+                <a:cs typeface="SimSun" charset="0"/>
+              </a:rPr>
+              <a:t>Set up double authentication password if it is supported.</a:t>
+            </a:r>
+            <a:endParaRPr lang="en-US" sz="2800">
+              <a:solidFill>
+                <a:srgbClr val="1E1C11"/>
+              </a:solidFill>
+              <a:latin typeface="Calibri" charset="0"/>
+              <a:cs typeface="SimSun" charset="0"/>
+            </a:endParaRPr>
+          </a:p>
+        </p:txBody>
+      </p:sp>
       <p:pic>
         <p:nvPicPr>
-          <p:cNvPr id="2" name="Picture 1"/>
+          <p:cNvPr id="18" name="Picture 18" descr="mac-antivirus-hub-100754948-orig"/>
           <p:cNvPicPr>
             <a:picLocks noChangeAspect="1"/>
           </p:cNvPicPr>
@@ -5915,60 +6383,14 @@
         </p:blipFill>
         <p:spPr>
           <a:xfrm>
-            <a:off x="5528945" y="1776095"/>
-            <a:ext cx="6030595" cy="4017645"/>
+            <a:off x="6085205" y="2614930"/>
+            <a:ext cx="4049395" cy="2278380"/>
           </a:xfrm>
           <a:prstGeom prst="rect">
             <a:avLst/>
           </a:prstGeom>
         </p:spPr>
       </p:pic>
-      <p:sp>
-        <p:nvSpPr>
-          <p:cNvPr id="100" name="Text Box 99"/>
-          <p:cNvSpPr txBox="1"/>
-          <p:nvPr/>
-        </p:nvSpPr>
-        <p:spPr>
-          <a:xfrm>
-            <a:off x="448945" y="3000375"/>
-            <a:ext cx="5080000" cy="1568450"/>
-          </a:xfrm>
-          <a:prstGeom prst="rect">
-            <a:avLst/>
-          </a:prstGeom>
-          <a:noFill/>
-          <a:ln w="9525">
-            <a:noFill/>
-          </a:ln>
-        </p:spPr>
-        <p:txBody>
-          <a:bodyPr>
-            <a:spAutoFit/>
-          </a:bodyPr>
-          <a:p>
-            <a:pPr marL="0" indent="0"/>
-            <a:r>
-              <a:rPr lang="" altLang="en-US" sz="2400" b="0">
-                <a:latin typeface="Calibri" charset="0"/>
-                <a:cs typeface="SimSun" charset="0"/>
-              </a:rPr>
-              <a:t>i</a:t>
-            </a:r>
-            <a:r>
-              <a:rPr lang="en-US" sz="2400" b="0">
-                <a:latin typeface="Calibri" charset="0"/>
-                <a:cs typeface="SimSun" charset="0"/>
-              </a:rPr>
-              <a:t>t has to do with the deletion of logs of all the activities that take place during the hacking process</a:t>
-            </a:r>
-            <a:endParaRPr lang="en-US" sz="2400" b="0">
-              <a:latin typeface="Calibri" charset="0"/>
-              <a:cs typeface="SimSun" charset="0"/>
-            </a:endParaRPr>
-          </a:p>
-        </p:txBody>
-      </p:sp>
     </p:spTree>
   </p:cSld>
   <p:clrMapOvr>
@@ -5977,7 +6399,7 @@
 </p:sld>
 </file>
 
-<file path=ppt/slides/slide8.xml><?xml version="1.0" encoding="utf-8"?>
+<file path=ppt/slides/slide9.xml><?xml version="1.0" encoding="utf-8"?>
 <p:sld xmlns:a="http://schemas.openxmlformats.org/drawingml/2006/main" xmlns:r="http://schemas.openxmlformats.org/officeDocument/2006/relationships" xmlns:p="http://schemas.openxmlformats.org/presentationml/2006/main">
   <p:cSld>
     <p:bg>
